--- a/pdf/おとなのための工作の時間.pptx
+++ b/pdf/おとなのための工作の時間.pptx
@@ -15,7 +15,7 @@
     <p:sldId id="263" r:id="rId9"/>
   </p:sldIdLst>
   <p:sldSz cx="9144000" cy="6858000" type="screen4x3"/>
-  <p:notesSz cx="6858000" cy="9874250"/>
+  <p:notesSz cx="7102475" cy="10233025"/>
   <p:defaultTextStyle>
     <a:defPPr>
       <a:defRPr lang="ja-JP"/>
@@ -3644,6 +3644,35 @@
           </a:p>
         </p:txBody>
       </p:sp>
+      <p:sp>
+        <p:nvSpPr>
+          <p:cNvPr id="8" name="正方形/長方形 7"/>
+          <p:cNvSpPr/>
+          <p:nvPr/>
+        </p:nvSpPr>
+        <p:spPr>
+          <a:xfrm>
+            <a:off x="2555776" y="1196752"/>
+            <a:ext cx="3923928" cy="307777"/>
+          </a:xfrm>
+          <a:prstGeom prst="rect">
+            <a:avLst/>
+          </a:prstGeom>
+        </p:spPr>
+        <p:txBody>
+          <a:bodyPr wrap="square">
+            <a:spAutoFit/>
+          </a:bodyPr>
+          <a:lstStyle/>
+          <a:p>
+            <a:r>
+              <a:rPr lang="en-US" altLang="ja-JP" sz="1400" dirty="0" smtClean="0"/>
+              <a:t>https://github.com/t-magic/RASP/tree/master/pdf</a:t>
+            </a:r>
+            <a:endParaRPr lang="ja-JP" altLang="en-US" sz="1400" dirty="0"/>
+          </a:p>
+        </p:txBody>
+      </p:sp>
     </p:spTree>
   </p:cSld>
   <p:clrMapOvr>
@@ -3782,11 +3811,7 @@
             </a:r>
             <a:r>
               <a:rPr lang="ja-JP" altLang="en-US" sz="1200" dirty="0" smtClean="0"/>
-              <a:t>プリンター </a:t>
-            </a:r>
-            <a:r>
-              <a:rPr lang="ja-JP" altLang="en-US" sz="1200" dirty="0" smtClean="0"/>
-              <a:t>本体</a:t>
+              <a:t>プリンター 本体</a:t>
             </a:r>
             <a:endParaRPr lang="en-US" altLang="ja-JP" sz="1200" dirty="0" smtClean="0"/>
           </a:p>
@@ -3858,11 +3883,7 @@
             </a:r>
             <a:r>
               <a:rPr lang="ja-JP" altLang="en-US" sz="1200" dirty="0" smtClean="0"/>
-              <a:t>軸 パレタイジングロボット ロボットアーム </a:t>
-            </a:r>
-            <a:r>
-              <a:rPr lang="ja-JP" altLang="en-US" sz="1200" dirty="0" smtClean="0"/>
-              <a:t>キット</a:t>
+              <a:t>軸 パレタイジングロボット ロボットアーム キット</a:t>
             </a:r>
             <a:endParaRPr lang="en-US" altLang="ja-JP" sz="1200" dirty="0" smtClean="0"/>
           </a:p>
@@ -4112,15 +4133,7 @@
             </a:r>
             <a:r>
               <a:rPr lang="ja-JP" altLang="en-US" sz="1200" dirty="0" smtClean="0"/>
-              <a:t>円ぐらいで、ジョイスティックを使って動かす</a:t>
-            </a:r>
-            <a:r>
-              <a:rPr lang="ja-JP" altLang="en-US" sz="1200" dirty="0" smtClean="0"/>
-              <a:t>ことができるようになる</a:t>
-            </a:r>
-            <a:r>
-              <a:rPr lang="ja-JP" altLang="en-US" sz="1200" dirty="0" smtClean="0"/>
-              <a:t>。</a:t>
+              <a:t>円ぐらいで、ジョイスティックを使って動かすことができるようになる。</a:t>
             </a:r>
             <a:endParaRPr lang="en-US" altLang="ja-JP" sz="1200" dirty="0" smtClean="0"/>
           </a:p>
@@ -4174,15 +4187,7 @@
             </a:r>
             <a:r>
               <a:rPr lang="ja-JP" altLang="en-US" sz="1200" dirty="0" smtClean="0"/>
-              <a:t>に出</a:t>
-            </a:r>
-            <a:r>
-              <a:rPr lang="ja-JP" altLang="en-US" sz="1200" dirty="0" smtClean="0"/>
-              <a:t>たくなる</a:t>
-            </a:r>
-            <a:r>
-              <a:rPr lang="ja-JP" altLang="en-US" sz="1200" dirty="0" smtClean="0"/>
-              <a:t>。</a:t>
+              <a:t>に出たくなる。</a:t>
             </a:r>
             <a:endParaRPr kumimoji="1" lang="ja-JP" altLang="en-US" sz="1200" dirty="0"/>
           </a:p>
@@ -4307,6 +4312,36 @@
                 <a:schemeClr val="accent2"/>
               </a:solidFill>
             </a:endParaRPr>
+          </a:p>
+        </p:txBody>
+      </p:sp>
+      <p:sp>
+        <p:nvSpPr>
+          <p:cNvPr id="15" name="テキスト ボックス 14"/>
+          <p:cNvSpPr txBox="1"/>
+          <p:nvPr/>
+        </p:nvSpPr>
+        <p:spPr>
+          <a:xfrm>
+            <a:off x="7884368" y="476672"/>
+            <a:ext cx="934936" cy="369332"/>
+          </a:xfrm>
+          <a:prstGeom prst="rect">
+            <a:avLst/>
+          </a:prstGeom>
+          <a:noFill/>
+        </p:spPr>
+        <p:txBody>
+          <a:bodyPr wrap="none" rtlCol="0">
+            <a:spAutoFit/>
+          </a:bodyPr>
+          <a:lstStyle/>
+          <a:p>
+            <a:r>
+              <a:rPr kumimoji="1" lang="en-US" altLang="ja-JP" dirty="0" err="1" smtClean="0"/>
+              <a:t>Arduino</a:t>
+            </a:r>
+            <a:endParaRPr kumimoji="1" lang="ja-JP" altLang="en-US" dirty="0"/>
           </a:p>
         </p:txBody>
       </p:sp>
@@ -4395,7 +4430,7 @@
         </p:nvSpPr>
         <p:spPr>
           <a:xfrm>
-            <a:off x="4211960" y="692696"/>
+            <a:off x="4211960" y="1700808"/>
             <a:ext cx="4320480" cy="830997"/>
           </a:xfrm>
           <a:prstGeom prst="rect">
@@ -4450,11 +4485,7 @@
             </a:r>
             <a:r>
               <a:rPr lang="en-US" altLang="ja-JP" sz="1200" dirty="0" smtClean="0"/>
-              <a:t> Kit</a:t>
-            </a:r>
-            <a:r>
-              <a:rPr lang="en-US" altLang="ja-JP" sz="1200" dirty="0" smtClean="0"/>
-              <a:t>)</a:t>
+              <a:t> Kit)</a:t>
             </a:r>
           </a:p>
           <a:p>
@@ -4500,11 +4531,7 @@
             </a:r>
             <a:r>
               <a:rPr lang="ja-JP" altLang="en-US" sz="1200" dirty="0" smtClean="0"/>
-              <a:t>ではモノに対し各種センサーを付けてその状態をインターネットを介しモニターしたり、モノをコントロールしたりすることにより安全で快適な生活を実現できます</a:t>
-            </a:r>
-            <a:r>
-              <a:rPr lang="ja-JP" altLang="en-US" sz="1200" dirty="0" smtClean="0"/>
-              <a:t>。</a:t>
+              <a:t>ではモノに対し各種センサーを付けてその状態をインターネットを介しモニターしたり、モノをコントロールしたりすることにより安全で快適な生活を実現できます。</a:t>
             </a:r>
             <a:endParaRPr lang="en-US" altLang="ja-JP" sz="1200" dirty="0" smtClean="0"/>
           </a:p>
@@ -4514,11 +4541,7 @@
             </a:pPr>
             <a:r>
               <a:rPr lang="ja-JP" altLang="en-US" sz="1200" dirty="0" smtClean="0"/>
-              <a:t>この</a:t>
-            </a:r>
-            <a:r>
-              <a:rPr lang="ja-JP" altLang="en-US" sz="1200" dirty="0" smtClean="0"/>
-              <a:t>キットは、初心者が</a:t>
+              <a:t>このキットは、初心者が</a:t>
             </a:r>
             <a:r>
               <a:rPr lang="en-US" altLang="ja-JP" sz="1200" dirty="0" err="1" smtClean="0"/>
@@ -4574,11 +4597,7 @@
             </a:r>
             <a:r>
               <a:rPr lang="ja-JP" altLang="en-US" sz="1200" dirty="0" smtClean="0"/>
-              <a:t>ブラウザから遠隔操作できます</a:t>
-            </a:r>
-            <a:r>
-              <a:rPr lang="ja-JP" altLang="en-US" sz="1200" dirty="0" smtClean="0"/>
-              <a:t>。</a:t>
+              <a:t>ブラウザから遠隔操作できます。</a:t>
             </a:r>
             <a:endParaRPr lang="en-US" altLang="ja-JP" sz="1200" dirty="0" smtClean="0"/>
           </a:p>
@@ -4588,11 +4607,7 @@
             </a:pPr>
             <a:r>
               <a:rPr lang="ja-JP" altLang="en-US" sz="1200" dirty="0" smtClean="0"/>
-              <a:t>この</a:t>
-            </a:r>
-            <a:r>
-              <a:rPr lang="ja-JP" altLang="en-US" sz="1200" dirty="0" smtClean="0"/>
-              <a:t>キットには、初心者のために</a:t>
+              <a:t>このキットには、初心者のために</a:t>
             </a:r>
             <a:r>
               <a:rPr lang="en-US" altLang="ja-JP" sz="1200" dirty="0" smtClean="0"/>
@@ -4600,11 +4615,7 @@
             </a:r>
             <a:r>
               <a:rPr lang="ja-JP" altLang="en-US" sz="1200" dirty="0" smtClean="0"/>
-              <a:t>課のチュートリアルとサンプルプロジェクト、ソフトウエアが付いていますので、理解易いと思います。プログラミングの経験がなくても、ステップバイステップのチュートリアルに従って徐々にマスターになることができます</a:t>
-            </a:r>
-            <a:r>
-              <a:rPr lang="ja-JP" altLang="en-US" sz="1200" dirty="0" smtClean="0"/>
-              <a:t>。</a:t>
+              <a:t>課のチュートリアルとサンプルプロジェクト、ソフトウエアが付いていますので、理解易いと思います。プログラミングの経験がなくても、ステップバイステップのチュートリアルに従って徐々にマスターになることができます。</a:t>
             </a:r>
             <a:endParaRPr lang="en-US" altLang="ja-JP" sz="1200" dirty="0" smtClean="0"/>
           </a:p>
@@ -4614,15 +4625,7 @@
             </a:pPr>
             <a:r>
               <a:rPr lang="ja-JP" altLang="en-US" sz="1200" dirty="0" smtClean="0"/>
-              <a:t>プログラミング</a:t>
-            </a:r>
-            <a:r>
-              <a:rPr lang="ja-JP" altLang="en-US" sz="1200" dirty="0" smtClean="0"/>
-              <a:t>の経験があるお客様はこのキットを簡単にカスタマイズできますと思います。想像力を十分に動かしたら、色々な面白いプロジェクトを楽しめますと思います</a:t>
-            </a:r>
-            <a:r>
-              <a:rPr lang="ja-JP" altLang="en-US" sz="1200" dirty="0" smtClean="0"/>
-              <a:t>。</a:t>
+              <a:t>プログラミングの経験があるお客様はこのキットを簡単にカスタマイズできますと思います。想像力を十分に動かしたら、色々な面白いプロジェクトを楽しめますと思います。</a:t>
             </a:r>
             <a:endParaRPr lang="en-US" altLang="ja-JP" sz="1200" dirty="0" smtClean="0"/>
           </a:p>
@@ -4632,11 +4635,7 @@
             </a:pPr>
             <a:r>
               <a:rPr lang="ja-JP" altLang="en-US" sz="1200" dirty="0" smtClean="0"/>
-              <a:t>詳細</a:t>
-            </a:r>
-            <a:r>
-              <a:rPr lang="ja-JP" altLang="en-US" sz="1200" dirty="0" smtClean="0"/>
-              <a:t>は弊社の</a:t>
+              <a:t>詳細は弊社の</a:t>
             </a:r>
             <a:r>
               <a:rPr lang="en-US" altLang="ja-JP" sz="1200" dirty="0" smtClean="0"/>
@@ -4731,6 +4730,36 @@
                 <a:schemeClr val="accent2"/>
               </a:solidFill>
             </a:endParaRPr>
+          </a:p>
+        </p:txBody>
+      </p:sp>
+      <p:sp>
+        <p:nvSpPr>
+          <p:cNvPr id="9" name="テキスト ボックス 8"/>
+          <p:cNvSpPr txBox="1"/>
+          <p:nvPr/>
+        </p:nvSpPr>
+        <p:spPr>
+          <a:xfrm>
+            <a:off x="7884368" y="476672"/>
+            <a:ext cx="934936" cy="369332"/>
+          </a:xfrm>
+          <a:prstGeom prst="rect">
+            <a:avLst/>
+          </a:prstGeom>
+          <a:noFill/>
+        </p:spPr>
+        <p:txBody>
+          <a:bodyPr wrap="none" rtlCol="0">
+            <a:spAutoFit/>
+          </a:bodyPr>
+          <a:lstStyle/>
+          <a:p>
+            <a:r>
+              <a:rPr kumimoji="1" lang="en-US" altLang="ja-JP" dirty="0" err="1" smtClean="0"/>
+              <a:t>Arduino</a:t>
+            </a:r>
+            <a:endParaRPr kumimoji="1" lang="ja-JP" altLang="en-US" dirty="0"/>
           </a:p>
         </p:txBody>
       </p:sp>
@@ -4776,7 +4805,7 @@
         </p:blipFill>
         <p:spPr bwMode="auto">
           <a:xfrm>
-            <a:off x="3779912" y="1124744"/>
+            <a:off x="2627784" y="1412776"/>
             <a:ext cx="2304256" cy="2304256"/>
           </a:xfrm>
           <a:prstGeom prst="rect">
@@ -4787,7 +4816,7 @@
       </p:pic>
       <p:pic>
         <p:nvPicPr>
-          <p:cNvPr id="5" name="Picture 12" descr="https://images-na.ssl-images-amazon.com/images/I/61LPACzpv5L._SL1001_.jpg"/>
+          <p:cNvPr id="6" name="Picture 6" descr="https://images-na.ssl-images-amazon.com/images/I/41RhjwRYBAL.jpg"/>
           <p:cNvPicPr>
             <a:picLocks noChangeAspect="1" noChangeArrowheads="1"/>
           </p:cNvPicPr>
@@ -4802,8 +4831,8 @@
         </p:blipFill>
         <p:spPr bwMode="auto">
           <a:xfrm>
-            <a:off x="5076056" y="4005064"/>
-            <a:ext cx="1916832" cy="1916832"/>
+            <a:off x="395536" y="2060848"/>
+            <a:ext cx="2026196" cy="1629062"/>
           </a:xfrm>
           <a:prstGeom prst="rect">
             <a:avLst/>
@@ -4813,7 +4842,7 @@
       </p:pic>
       <p:pic>
         <p:nvPicPr>
-          <p:cNvPr id="6" name="Picture 6" descr="https://images-na.ssl-images-amazon.com/images/I/41RhjwRYBAL.jpg"/>
+          <p:cNvPr id="7" name="Picture 10" descr="https://images-na.ssl-images-amazon.com/images/I/81NJlKHTOzL._SL1500_.jpg"/>
           <p:cNvPicPr>
             <a:picLocks noChangeAspect="1" noChangeArrowheads="1"/>
           </p:cNvPicPr>
@@ -4828,8 +4857,8 @@
         </p:blipFill>
         <p:spPr bwMode="auto">
           <a:xfrm>
-            <a:off x="1115616" y="2492896"/>
-            <a:ext cx="2026196" cy="1629062"/>
+            <a:off x="1691680" y="3861048"/>
+            <a:ext cx="1713181" cy="1512167"/>
           </a:xfrm>
           <a:prstGeom prst="rect">
             <a:avLst/>
@@ -4837,9 +4866,113 @@
           <a:noFill/>
         </p:spPr>
       </p:pic>
+      <p:sp>
+        <p:nvSpPr>
+          <p:cNvPr id="9" name="テキスト ボックス 8"/>
+          <p:cNvSpPr txBox="1"/>
+          <p:nvPr/>
+        </p:nvSpPr>
+        <p:spPr>
+          <a:xfrm>
+            <a:off x="107504" y="116632"/>
+            <a:ext cx="3337773" cy="400110"/>
+          </a:xfrm>
+          <a:prstGeom prst="rect">
+            <a:avLst/>
+          </a:prstGeom>
+          <a:noFill/>
+        </p:spPr>
+        <p:txBody>
+          <a:bodyPr wrap="none" rtlCol="0">
+            <a:spAutoFit/>
+          </a:bodyPr>
+          <a:lstStyle/>
+          <a:p>
+            <a:r>
+              <a:rPr lang="ja-JP" altLang="en-US" sz="2000" dirty="0" smtClean="0"/>
+              <a:t>教材の候補</a:t>
+            </a:r>
+            <a:r>
+              <a:rPr lang="en-US" altLang="ja-JP" sz="2000" dirty="0" smtClean="0"/>
+              <a:t>: </a:t>
+            </a:r>
+            <a:r>
+              <a:rPr lang="ja-JP" altLang="en-US" sz="2000" dirty="0" smtClean="0"/>
+              <a:t>買ってみました</a:t>
+            </a:r>
+            <a:r>
+              <a:rPr lang="en-US" altLang="ja-JP" sz="2000" dirty="0" smtClean="0"/>
+              <a:t>3</a:t>
+            </a:r>
+            <a:endParaRPr kumimoji="1" lang="ja-JP" altLang="en-US" sz="2000" dirty="0"/>
+          </a:p>
+        </p:txBody>
+      </p:sp>
+      <p:sp>
+        <p:nvSpPr>
+          <p:cNvPr id="10" name="テキスト ボックス 9"/>
+          <p:cNvSpPr txBox="1"/>
+          <p:nvPr/>
+        </p:nvSpPr>
+        <p:spPr>
+          <a:xfrm>
+            <a:off x="323528" y="980728"/>
+            <a:ext cx="4776051" cy="584775"/>
+          </a:xfrm>
+          <a:prstGeom prst="rect">
+            <a:avLst/>
+          </a:prstGeom>
+          <a:noFill/>
+        </p:spPr>
+        <p:txBody>
+          <a:bodyPr wrap="none" rtlCol="0">
+            <a:spAutoFit/>
+          </a:bodyPr>
+          <a:lstStyle/>
+          <a:p>
+            <a:r>
+              <a:rPr kumimoji="1" lang="en-US" altLang="ja-JP" sz="3200" dirty="0" smtClean="0">
+                <a:solidFill>
+                  <a:schemeClr val="accent2"/>
+                </a:solidFill>
+              </a:rPr>
+              <a:t>AI (</a:t>
+            </a:r>
+            <a:r>
+              <a:rPr kumimoji="1" lang="en-US" altLang="ja-JP" sz="3200" dirty="0" err="1" smtClean="0">
+                <a:solidFill>
+                  <a:schemeClr val="accent2"/>
+                </a:solidFill>
+              </a:rPr>
+              <a:t>TensorFlow</a:t>
+            </a:r>
+            <a:r>
+              <a:rPr kumimoji="1" lang="ja-JP" altLang="en-US" sz="3200" dirty="0" smtClean="0">
+                <a:solidFill>
+                  <a:schemeClr val="accent2"/>
+                </a:solidFill>
+              </a:rPr>
+              <a:t>で画像分類</a:t>
+            </a:r>
+            <a:r>
+              <a:rPr kumimoji="1" lang="en-US" altLang="ja-JP" sz="3200" dirty="0" smtClean="0">
+                <a:solidFill>
+                  <a:schemeClr val="accent2"/>
+                </a:solidFill>
+              </a:rPr>
+              <a:t>)</a:t>
+            </a:r>
+            <a:endParaRPr kumimoji="1" lang="ja-JP" altLang="en-US" sz="3200" dirty="0">
+              <a:solidFill>
+                <a:schemeClr val="accent2"/>
+              </a:solidFill>
+            </a:endParaRPr>
+          </a:p>
+        </p:txBody>
+      </p:sp>
       <p:pic>
         <p:nvPicPr>
-          <p:cNvPr id="7" name="Picture 10" descr="https://images-na.ssl-images-amazon.com/images/I/81NJlKHTOzL._SL1500_.jpg"/>
+          <p:cNvPr id="5122" name="Picture 2" descr="http://ascii.jp/elem/000/001/080/1080824/20151119ippei_pi34_588x.jpg"/>
           <p:cNvPicPr>
             <a:picLocks noChangeAspect="1" noChangeArrowheads="1"/>
           </p:cNvPicPr>
@@ -4854,8 +4987,8 @@
         </p:blipFill>
         <p:spPr bwMode="auto">
           <a:xfrm>
-            <a:off x="2771800" y="3645024"/>
-            <a:ext cx="1713181" cy="1512167"/>
+            <a:off x="5652120" y="2636912"/>
+            <a:ext cx="3110071" cy="2068092"/>
           </a:xfrm>
           <a:prstGeom prst="rect">
             <a:avLst/>
@@ -4863,16 +4996,46 @@
           <a:noFill/>
         </p:spPr>
       </p:pic>
-      <p:sp>
-        <p:nvSpPr>
-          <p:cNvPr id="9" name="テキスト ボックス 8"/>
+      <p:cxnSp>
+        <p:nvCxnSpPr>
+          <p:cNvPr id="12" name="直線コネクタ 11"/>
+          <p:cNvCxnSpPr/>
+          <p:nvPr/>
+        </p:nvCxnSpPr>
+        <p:spPr>
+          <a:xfrm>
+            <a:off x="5220072" y="260648"/>
+            <a:ext cx="0" cy="6192688"/>
+          </a:xfrm>
+          <a:prstGeom prst="line">
+            <a:avLst/>
+          </a:prstGeom>
+        </p:spPr>
+        <p:style>
+          <a:lnRef idx="1">
+            <a:schemeClr val="accent1"/>
+          </a:lnRef>
+          <a:fillRef idx="0">
+            <a:schemeClr val="accent1"/>
+          </a:fillRef>
+          <a:effectRef idx="0">
+            <a:schemeClr val="accent1"/>
+          </a:effectRef>
+          <a:fontRef idx="minor">
+            <a:schemeClr val="tx1"/>
+          </a:fontRef>
+        </p:style>
+      </p:cxnSp>
+      <p:sp>
+        <p:nvSpPr>
+          <p:cNvPr id="13" name="テキスト ボックス 12"/>
           <p:cNvSpPr txBox="1"/>
           <p:nvPr/>
         </p:nvSpPr>
         <p:spPr>
           <a:xfrm>
-            <a:off x="107504" y="116632"/>
-            <a:ext cx="3337773" cy="400110"/>
+            <a:off x="5508104" y="980728"/>
+            <a:ext cx="2109873" cy="584775"/>
           </a:xfrm>
           <a:prstGeom prst="rect">
             <a:avLst/>
@@ -4885,85 +5048,49 @@
           </a:bodyPr>
           <a:lstStyle/>
           <a:p>
-            <a:r>
-              <a:rPr lang="ja-JP" altLang="en-US" sz="2000" dirty="0" smtClean="0"/>
-              <a:t>教材の候補</a:t>
-            </a:r>
-            <a:r>
-              <a:rPr lang="en-US" altLang="ja-JP" sz="2000" dirty="0" smtClean="0"/>
-              <a:t>: </a:t>
-            </a:r>
-            <a:r>
-              <a:rPr lang="ja-JP" altLang="en-US" sz="2000" dirty="0" smtClean="0"/>
-              <a:t>買ってみました</a:t>
-            </a:r>
-            <a:r>
-              <a:rPr lang="en-US" altLang="ja-JP" sz="2000" dirty="0" smtClean="0"/>
-              <a:t>3</a:t>
-            </a:r>
-            <a:endParaRPr kumimoji="1" lang="ja-JP" altLang="en-US" sz="2000" dirty="0"/>
-          </a:p>
-        </p:txBody>
-      </p:sp>
-      <p:sp>
-        <p:nvSpPr>
-          <p:cNvPr id="10" name="テキスト ボックス 9"/>
-          <p:cNvSpPr txBox="1"/>
-          <p:nvPr/>
-        </p:nvSpPr>
-        <p:spPr>
-          <a:xfrm>
-            <a:off x="395536" y="620688"/>
-            <a:ext cx="4776051" cy="584775"/>
-          </a:xfrm>
-          <a:prstGeom prst="rect">
-            <a:avLst/>
-          </a:prstGeom>
-          <a:noFill/>
-        </p:spPr>
-        <p:txBody>
-          <a:bodyPr wrap="none" rtlCol="0">
-            <a:spAutoFit/>
-          </a:bodyPr>
-          <a:lstStyle/>
-          <a:p>
-            <a:r>
-              <a:rPr kumimoji="1" lang="en-US" altLang="ja-JP" sz="3200" dirty="0" smtClean="0">
-                <a:solidFill>
-                  <a:schemeClr val="accent2"/>
-                </a:solidFill>
-              </a:rPr>
-              <a:t>AI (</a:t>
-            </a:r>
-            <a:r>
-              <a:rPr kumimoji="1" lang="en-US" altLang="ja-JP" sz="3200" dirty="0" err="1" smtClean="0">
-                <a:solidFill>
-                  <a:schemeClr val="accent2"/>
-                </a:solidFill>
-              </a:rPr>
-              <a:t>TensorFlow</a:t>
-            </a:r>
             <a:r>
               <a:rPr kumimoji="1" lang="ja-JP" altLang="en-US" sz="3200" dirty="0" smtClean="0">
                 <a:solidFill>
                   <a:schemeClr val="accent2"/>
                 </a:solidFill>
               </a:rPr>
-              <a:t>で画像分類</a:t>
-            </a:r>
-            <a:r>
-              <a:rPr kumimoji="1" lang="en-US" altLang="ja-JP" sz="3200" dirty="0" smtClean="0">
-                <a:solidFill>
-                  <a:schemeClr val="accent2"/>
-                </a:solidFill>
-              </a:rPr>
-              <a:t>)</a:t>
+              <a:t>ラップトップ</a:t>
             </a:r>
             <a:endParaRPr kumimoji="1" lang="ja-JP" altLang="en-US" sz="3200" dirty="0">
               <a:solidFill>
                 <a:schemeClr val="accent2"/>
               </a:solidFill>
             </a:endParaRPr>
+          </a:p>
+        </p:txBody>
+      </p:sp>
+      <p:sp>
+        <p:nvSpPr>
+          <p:cNvPr id="15" name="テキスト ボックス 14"/>
+          <p:cNvSpPr txBox="1"/>
+          <p:nvPr/>
+        </p:nvSpPr>
+        <p:spPr>
+          <a:xfrm>
+            <a:off x="7524328" y="476672"/>
+            <a:ext cx="1359218" cy="369332"/>
+          </a:xfrm>
+          <a:prstGeom prst="rect">
+            <a:avLst/>
+          </a:prstGeom>
+          <a:noFill/>
+        </p:spPr>
+        <p:txBody>
+          <a:bodyPr wrap="none" rtlCol="0">
+            <a:spAutoFit/>
+          </a:bodyPr>
+          <a:lstStyle/>
+          <a:p>
+            <a:r>
+              <a:rPr kumimoji="1" lang="en-US" altLang="ja-JP" dirty="0" smtClean="0"/>
+              <a:t>Raspberry Pi</a:t>
+            </a:r>
+            <a:endParaRPr kumimoji="1" lang="ja-JP" altLang="en-US" dirty="0"/>
           </a:p>
         </p:txBody>
       </p:sp>
@@ -6751,8 +6878,8 @@
           <p:nvPr/>
         </p:nvGraphicFramePr>
         <p:xfrm>
-          <a:off x="1043608" y="2492896"/>
-          <a:ext cx="7344814" cy="2225040"/>
+          <a:off x="467543" y="2276872"/>
+          <a:ext cx="8208912" cy="2011680"/>
         </p:xfrm>
         <a:graphic>
           <a:graphicData uri="http://schemas.openxmlformats.org/drawingml/2006/table">
@@ -6761,14 +6888,17 @@
                 <a:tableStyleId>{7DF18680-E054-41AD-8BC1-D1AEF772440D}</a:tableStyleId>
               </a:tblPr>
               <a:tblGrid>
-                <a:gridCol w="1005172"/>
-                <a:gridCol w="1659122"/>
+                <a:gridCol w="707343"/>
+                <a:gridCol w="1167532"/>
+                <a:gridCol w="1149462"/>
+                <a:gridCol w="1224136"/>
                 <a:gridCol w="936104"/>
-                <a:gridCol w="1152128"/>
-                <a:gridCol w="1152128"/>
-                <a:gridCol w="1440160"/>
+                <a:gridCol w="864096"/>
+                <a:gridCol w="936104"/>
+                <a:gridCol w="576064"/>
+                <a:gridCol w="648071"/>
               </a:tblGrid>
-              <a:tr h="370840">
+              <a:tr h="0">
                 <a:tc>
                   <a:txBody>
                     <a:bodyPr/>
@@ -6845,8 +6975,50 @@
                   </a:txBody>
                   <a:tcPr/>
                 </a:tc>
+                <a:tc>
+                  <a:txBody>
+                    <a:bodyPr/>
+                    <a:lstStyle/>
+                    <a:p>
+                      <a:r>
+                        <a:rPr kumimoji="1" lang="en-US" altLang="ja-JP" sz="1200" dirty="0" smtClean="0"/>
+                        <a:t>Windows</a:t>
+                      </a:r>
+                      <a:endParaRPr kumimoji="1" lang="ja-JP" altLang="en-US" sz="1200" dirty="0"/>
+                    </a:p>
+                  </a:txBody>
+                  <a:tcPr/>
+                </a:tc>
+                <a:tc>
+                  <a:txBody>
+                    <a:bodyPr/>
+                    <a:lstStyle/>
+                    <a:p>
+                      <a:r>
+                        <a:rPr kumimoji="1" lang="en-US" altLang="ja-JP" sz="1200" dirty="0" smtClean="0"/>
+                        <a:t>Mac</a:t>
+                      </a:r>
+                      <a:endParaRPr kumimoji="1" lang="ja-JP" altLang="en-US" sz="1200" dirty="0"/>
+                    </a:p>
+                  </a:txBody>
+                  <a:tcPr/>
+                </a:tc>
+                <a:tc>
+                  <a:txBody>
+                    <a:bodyPr/>
+                    <a:lstStyle/>
+                    <a:p>
+                      <a:r>
+                        <a:rPr kumimoji="1" lang="en-US" altLang="ja-JP" sz="1200" dirty="0" smtClean="0"/>
+                        <a:t>Linux</a:t>
+                      </a:r>
+                      <a:endParaRPr kumimoji="1" lang="ja-JP" altLang="en-US" sz="1200" dirty="0"/>
+                    </a:p>
+                  </a:txBody>
+                  <a:tcPr/>
+                </a:tc>
               </a:tr>
-              <a:tr h="370840">
+              <a:tr h="0">
                 <a:tc>
                   <a:txBody>
                     <a:bodyPr/>
@@ -6927,8 +7099,38 @@
                   </a:txBody>
                   <a:tcPr/>
                 </a:tc>
+                <a:tc>
+                  <a:txBody>
+                    <a:bodyPr/>
+                    <a:lstStyle/>
+                    <a:p>
+                      <a:endParaRPr kumimoji="1" lang="ja-JP" altLang="en-US" sz="1200" dirty="0"/>
+                    </a:p>
+                  </a:txBody>
+                  <a:tcPr/>
+                </a:tc>
+                <a:tc>
+                  <a:txBody>
+                    <a:bodyPr/>
+                    <a:lstStyle/>
+                    <a:p>
+                      <a:endParaRPr kumimoji="1" lang="ja-JP" altLang="en-US" sz="1200" dirty="0"/>
+                    </a:p>
+                  </a:txBody>
+                  <a:tcPr/>
+                </a:tc>
+                <a:tc>
+                  <a:txBody>
+                    <a:bodyPr/>
+                    <a:lstStyle/>
+                    <a:p>
+                      <a:endParaRPr kumimoji="1" lang="ja-JP" altLang="en-US" sz="1200" dirty="0"/>
+                    </a:p>
+                  </a:txBody>
+                  <a:tcPr/>
+                </a:tc>
               </a:tr>
-              <a:tr h="370840">
+              <a:tr h="0">
                 <a:tc>
                   <a:txBody>
                     <a:bodyPr/>
@@ -6997,8 +7199,38 @@
                   </a:txBody>
                   <a:tcPr/>
                 </a:tc>
+                <a:tc>
+                  <a:txBody>
+                    <a:bodyPr/>
+                    <a:lstStyle/>
+                    <a:p>
+                      <a:endParaRPr kumimoji="1" lang="ja-JP" altLang="en-US" sz="1200" dirty="0"/>
+                    </a:p>
+                  </a:txBody>
+                  <a:tcPr/>
+                </a:tc>
+                <a:tc>
+                  <a:txBody>
+                    <a:bodyPr/>
+                    <a:lstStyle/>
+                    <a:p>
+                      <a:endParaRPr kumimoji="1" lang="ja-JP" altLang="en-US" sz="1200" dirty="0"/>
+                    </a:p>
+                  </a:txBody>
+                  <a:tcPr/>
+                </a:tc>
+                <a:tc>
+                  <a:txBody>
+                    <a:bodyPr/>
+                    <a:lstStyle/>
+                    <a:p>
+                      <a:endParaRPr kumimoji="1" lang="ja-JP" altLang="en-US" sz="1200" dirty="0"/>
+                    </a:p>
+                  </a:txBody>
+                  <a:tcPr/>
+                </a:tc>
               </a:tr>
-              <a:tr h="370840">
+              <a:tr h="0">
                 <a:tc>
                   <a:txBody>
                     <a:bodyPr/>
@@ -7079,8 +7311,38 @@
                   </a:txBody>
                   <a:tcPr/>
                 </a:tc>
+                <a:tc>
+                  <a:txBody>
+                    <a:bodyPr/>
+                    <a:lstStyle/>
+                    <a:p>
+                      <a:endParaRPr kumimoji="1" lang="ja-JP" altLang="en-US" sz="1200" dirty="0"/>
+                    </a:p>
+                  </a:txBody>
+                  <a:tcPr/>
+                </a:tc>
+                <a:tc>
+                  <a:txBody>
+                    <a:bodyPr/>
+                    <a:lstStyle/>
+                    <a:p>
+                      <a:endParaRPr kumimoji="1" lang="ja-JP" altLang="en-US" sz="1200" dirty="0"/>
+                    </a:p>
+                  </a:txBody>
+                  <a:tcPr/>
+                </a:tc>
+                <a:tc>
+                  <a:txBody>
+                    <a:bodyPr/>
+                    <a:lstStyle/>
+                    <a:p>
+                      <a:endParaRPr kumimoji="1" lang="ja-JP" altLang="en-US" sz="1200" dirty="0"/>
+                    </a:p>
+                  </a:txBody>
+                  <a:tcPr/>
+                </a:tc>
               </a:tr>
-              <a:tr h="370840">
+              <a:tr h="0">
                 <a:tc>
                   <a:txBody>
                     <a:bodyPr/>
@@ -7169,8 +7431,38 @@
                   </a:txBody>
                   <a:tcPr/>
                 </a:tc>
+                <a:tc>
+                  <a:txBody>
+                    <a:bodyPr/>
+                    <a:lstStyle/>
+                    <a:p>
+                      <a:endParaRPr kumimoji="1" lang="ja-JP" altLang="en-US" sz="1200"/>
+                    </a:p>
+                  </a:txBody>
+                  <a:tcPr/>
+                </a:tc>
+                <a:tc>
+                  <a:txBody>
+                    <a:bodyPr/>
+                    <a:lstStyle/>
+                    <a:p>
+                      <a:endParaRPr kumimoji="1" lang="ja-JP" altLang="en-US" sz="1200"/>
+                    </a:p>
+                  </a:txBody>
+                  <a:tcPr/>
+                </a:tc>
+                <a:tc>
+                  <a:txBody>
+                    <a:bodyPr/>
+                    <a:lstStyle/>
+                    <a:p>
+                      <a:endParaRPr kumimoji="1" lang="ja-JP" altLang="en-US" sz="1200"/>
+                    </a:p>
+                  </a:txBody>
+                  <a:tcPr/>
+                </a:tc>
               </a:tr>
-              <a:tr h="370840">
+              <a:tr h="0">
                 <a:tc>
                   <a:txBody>
                     <a:bodyPr/>
@@ -7275,11 +7567,71 @@
                   </a:txBody>
                   <a:tcPr/>
                 </a:tc>
+                <a:tc>
+                  <a:txBody>
+                    <a:bodyPr/>
+                    <a:lstStyle/>
+                    <a:p>
+                      <a:endParaRPr kumimoji="1" lang="ja-JP" altLang="en-US" sz="1200" dirty="0"/>
+                    </a:p>
+                  </a:txBody>
+                  <a:tcPr/>
+                </a:tc>
+                <a:tc>
+                  <a:txBody>
+                    <a:bodyPr/>
+                    <a:lstStyle/>
+                    <a:p>
+                      <a:endParaRPr kumimoji="1" lang="ja-JP" altLang="en-US" sz="1200" dirty="0"/>
+                    </a:p>
+                  </a:txBody>
+                  <a:tcPr/>
+                </a:tc>
+                <a:tc>
+                  <a:txBody>
+                    <a:bodyPr/>
+                    <a:lstStyle/>
+                    <a:p>
+                      <a:endParaRPr kumimoji="1" lang="ja-JP" altLang="en-US" sz="1200" dirty="0"/>
+                    </a:p>
+                  </a:txBody>
+                  <a:tcPr/>
+                </a:tc>
               </a:tr>
             </a:tbl>
           </a:graphicData>
         </a:graphic>
       </p:graphicFrame>
+      <p:cxnSp>
+        <p:nvCxnSpPr>
+          <p:cNvPr id="3" name="直線コネクタ 2"/>
+          <p:cNvCxnSpPr/>
+          <p:nvPr/>
+        </p:nvCxnSpPr>
+        <p:spPr>
+          <a:xfrm>
+            <a:off x="6516216" y="2060848"/>
+            <a:ext cx="0" cy="2448272"/>
+          </a:xfrm>
+          <a:prstGeom prst="line">
+            <a:avLst/>
+          </a:prstGeom>
+        </p:spPr>
+        <p:style>
+          <a:lnRef idx="1">
+            <a:schemeClr val="accent1"/>
+          </a:lnRef>
+          <a:fillRef idx="0">
+            <a:schemeClr val="accent1"/>
+          </a:fillRef>
+          <a:effectRef idx="0">
+            <a:schemeClr val="accent1"/>
+          </a:effectRef>
+          <a:fontRef idx="minor">
+            <a:schemeClr val="tx1"/>
+          </a:fontRef>
+        </p:style>
+      </p:cxnSp>
     </p:spTree>
   </p:cSld>
   <p:clrMapOvr>
